--- a/interfaz-vista/interfaz-1.pptx
+++ b/interfaz-vista/interfaz-1.pptx
@@ -110,6 +110,11 @@
       </a:defRPr>
     </a:lvl9pPr>
   </p:defaultTextStyle>
+  <p:extLst>
+    <p:ext uri="{EFAFB233-063F-42B5-8137-9DF3F51BA10A}">
+      <p15:sldGuideLst xmlns:p15="http://schemas.microsoft.com/office/powerpoint/2012/main"/>
+    </p:ext>
+  </p:extLst>
 </p:presentation>
 </file>
 
@@ -244,7 +249,7 @@
           <a:p>
             <a:fld id="{C36E7963-36BB-44B4-AE99-0D5A92407603}" type="datetimeFigureOut">
               <a:rPr lang="es-AR" smtClean="0"/>
-              <a:t>12/3/2024</a:t>
+              <a:t>13/3/2024</a:t>
             </a:fld>
             <a:endParaRPr lang="es-AR"/>
           </a:p>
@@ -414,7 +419,7 @@
           <a:p>
             <a:fld id="{C36E7963-36BB-44B4-AE99-0D5A92407603}" type="datetimeFigureOut">
               <a:rPr lang="es-AR" smtClean="0"/>
-              <a:t>12/3/2024</a:t>
+              <a:t>13/3/2024</a:t>
             </a:fld>
             <a:endParaRPr lang="es-AR"/>
           </a:p>
@@ -594,7 +599,7 @@
           <a:p>
             <a:fld id="{C36E7963-36BB-44B4-AE99-0D5A92407603}" type="datetimeFigureOut">
               <a:rPr lang="es-AR" smtClean="0"/>
-              <a:t>12/3/2024</a:t>
+              <a:t>13/3/2024</a:t>
             </a:fld>
             <a:endParaRPr lang="es-AR"/>
           </a:p>
@@ -764,7 +769,7 @@
           <a:p>
             <a:fld id="{C36E7963-36BB-44B4-AE99-0D5A92407603}" type="datetimeFigureOut">
               <a:rPr lang="es-AR" smtClean="0"/>
-              <a:t>12/3/2024</a:t>
+              <a:t>13/3/2024</a:t>
             </a:fld>
             <a:endParaRPr lang="es-AR"/>
           </a:p>
@@ -1010,7 +1015,7 @@
           <a:p>
             <a:fld id="{C36E7963-36BB-44B4-AE99-0D5A92407603}" type="datetimeFigureOut">
               <a:rPr lang="es-AR" smtClean="0"/>
-              <a:t>12/3/2024</a:t>
+              <a:t>13/3/2024</a:t>
             </a:fld>
             <a:endParaRPr lang="es-AR"/>
           </a:p>
@@ -1242,7 +1247,7 @@
           <a:p>
             <a:fld id="{C36E7963-36BB-44B4-AE99-0D5A92407603}" type="datetimeFigureOut">
               <a:rPr lang="es-AR" smtClean="0"/>
-              <a:t>12/3/2024</a:t>
+              <a:t>13/3/2024</a:t>
             </a:fld>
             <a:endParaRPr lang="es-AR"/>
           </a:p>
@@ -1609,7 +1614,7 @@
           <a:p>
             <a:fld id="{C36E7963-36BB-44B4-AE99-0D5A92407603}" type="datetimeFigureOut">
               <a:rPr lang="es-AR" smtClean="0"/>
-              <a:t>12/3/2024</a:t>
+              <a:t>13/3/2024</a:t>
             </a:fld>
             <a:endParaRPr lang="es-AR"/>
           </a:p>
@@ -1727,7 +1732,7 @@
           <a:p>
             <a:fld id="{C36E7963-36BB-44B4-AE99-0D5A92407603}" type="datetimeFigureOut">
               <a:rPr lang="es-AR" smtClean="0"/>
-              <a:t>12/3/2024</a:t>
+              <a:t>13/3/2024</a:t>
             </a:fld>
             <a:endParaRPr lang="es-AR"/>
           </a:p>
@@ -1822,7 +1827,7 @@
           <a:p>
             <a:fld id="{C36E7963-36BB-44B4-AE99-0D5A92407603}" type="datetimeFigureOut">
               <a:rPr lang="es-AR" smtClean="0"/>
-              <a:t>12/3/2024</a:t>
+              <a:t>13/3/2024</a:t>
             </a:fld>
             <a:endParaRPr lang="es-AR"/>
           </a:p>
@@ -2099,7 +2104,7 @@
           <a:p>
             <a:fld id="{C36E7963-36BB-44B4-AE99-0D5A92407603}" type="datetimeFigureOut">
               <a:rPr lang="es-AR" smtClean="0"/>
-              <a:t>12/3/2024</a:t>
+              <a:t>13/3/2024</a:t>
             </a:fld>
             <a:endParaRPr lang="es-AR"/>
           </a:p>
@@ -2352,7 +2357,7 @@
           <a:p>
             <a:fld id="{C36E7963-36BB-44B4-AE99-0D5A92407603}" type="datetimeFigureOut">
               <a:rPr lang="es-AR" smtClean="0"/>
-              <a:t>12/3/2024</a:t>
+              <a:t>13/3/2024</a:t>
             </a:fld>
             <a:endParaRPr lang="es-AR"/>
           </a:p>
@@ -2565,7 +2570,7 @@
           <a:p>
             <a:fld id="{C36E7963-36BB-44B4-AE99-0D5A92407603}" type="datetimeFigureOut">
               <a:rPr lang="es-AR" smtClean="0"/>
-              <a:t>12/3/2024</a:t>
+              <a:t>13/3/2024</a:t>
             </a:fld>
             <a:endParaRPr lang="es-AR"/>
           </a:p>
@@ -3504,11 +3509,7 @@
             <a:pPr algn="ctr"/>
             <a:r>
               <a:rPr lang="es-ES" dirty="0" smtClean="0"/>
-              <a:t>Mesa 2 </a:t>
-            </a:r>
-            <a:r>
-              <a:rPr lang="es-ES" dirty="0" smtClean="0"/>
-              <a:t>(disp.)</a:t>
+              <a:t>Mesa 2 (disp.)</a:t>
             </a:r>
             <a:endParaRPr lang="es-AR" dirty="0" smtClean="0"/>
           </a:p>
@@ -3552,11 +3553,7 @@
             <a:pPr algn="ctr"/>
             <a:r>
               <a:rPr lang="es-ES" dirty="0" smtClean="0"/>
-              <a:t>Mesa 3 </a:t>
-            </a:r>
-            <a:r>
-              <a:rPr lang="es-ES" dirty="0" smtClean="0"/>
-              <a:t>(disp.)</a:t>
+              <a:t>Mesa 3 (disp.)</a:t>
             </a:r>
             <a:endParaRPr lang="es-AR" dirty="0"/>
           </a:p>
@@ -3600,11 +3597,7 @@
             <a:pPr algn="ctr"/>
             <a:r>
               <a:rPr lang="es-ES" dirty="0" smtClean="0"/>
-              <a:t>Mesa 5 </a:t>
-            </a:r>
-            <a:r>
-              <a:rPr lang="es-ES" dirty="0" smtClean="0"/>
-              <a:t>(disp.)</a:t>
+              <a:t>Mesa 5 (disp.)</a:t>
             </a:r>
             <a:endParaRPr lang="es-AR" dirty="0"/>
           </a:p>
@@ -3648,11 +3641,7 @@
             <a:pPr algn="ctr"/>
             <a:r>
               <a:rPr lang="es-ES" dirty="0" smtClean="0"/>
-              <a:t>Mesa 6 </a:t>
-            </a:r>
-            <a:r>
-              <a:rPr lang="es-ES" dirty="0" smtClean="0"/>
-              <a:t>(</a:t>
+              <a:t>Mesa 6 (</a:t>
             </a:r>
             <a:r>
               <a:rPr lang="es-ES" dirty="0" err="1" smtClean="0"/>
@@ -3704,11 +3693,7 @@
             <a:pPr algn="ctr"/>
             <a:r>
               <a:rPr lang="es-ES" dirty="0" smtClean="0"/>
-              <a:t>Mesa 4 </a:t>
-            </a:r>
-            <a:r>
-              <a:rPr lang="es-ES" dirty="0" smtClean="0"/>
-              <a:t>(</a:t>
+              <a:t>Mesa 4 (</a:t>
             </a:r>
             <a:r>
               <a:rPr lang="es-ES" dirty="0" err="1" smtClean="0"/>
@@ -6586,6 +6571,69 @@
           </a:p>
         </p:txBody>
       </p:sp>
+      <p:sp>
+        <p:nvSpPr>
+          <p:cNvPr id="2" name="CuadroTexto 1"/>
+          <p:cNvSpPr txBox="1"/>
+          <p:nvPr/>
+        </p:nvSpPr>
+        <p:spPr>
+          <a:xfrm>
+            <a:off x="7297615" y="1934308"/>
+            <a:ext cx="3323491" cy="646331"/>
+          </a:xfrm>
+          <a:prstGeom prst="rect">
+            <a:avLst/>
+          </a:prstGeom>
+          <a:noFill/>
+        </p:spPr>
+        <p:txBody>
+          <a:bodyPr wrap="square" rtlCol="0">
+            <a:spAutoFit/>
+          </a:bodyPr>
+          <a:lstStyle/>
+          <a:p>
+            <a:r>
+              <a:rPr lang="es-ES" dirty="0" smtClean="0"/>
+              <a:t>Falta hacer la pantalla de eliminar o modificar platos</a:t>
+            </a:r>
+            <a:endParaRPr lang="es-AR" dirty="0"/>
+          </a:p>
+        </p:txBody>
+      </p:sp>
+      <p:cxnSp>
+        <p:nvCxnSpPr>
+          <p:cNvPr id="4" name="Conector recto de flecha 3"/>
+          <p:cNvCxnSpPr/>
+          <p:nvPr/>
+        </p:nvCxnSpPr>
+        <p:spPr>
+          <a:xfrm flipV="1">
+            <a:off x="5227027" y="2347546"/>
+            <a:ext cx="1798027" cy="1556239"/>
+          </a:xfrm>
+          <a:prstGeom prst="straightConnector1">
+            <a:avLst/>
+          </a:prstGeom>
+          <a:ln>
+            <a:tailEnd type="triangle"/>
+          </a:ln>
+        </p:spPr>
+        <p:style>
+          <a:lnRef idx="1">
+            <a:schemeClr val="accent1"/>
+          </a:lnRef>
+          <a:fillRef idx="0">
+            <a:schemeClr val="accent1"/>
+          </a:fillRef>
+          <a:effectRef idx="0">
+            <a:schemeClr val="accent1"/>
+          </a:effectRef>
+          <a:fontRef idx="minor">
+            <a:schemeClr val="tx1"/>
+          </a:fontRef>
+        </p:style>
+      </p:cxnSp>
     </p:spTree>
     <p:extLst>
       <p:ext uri="{BB962C8B-B14F-4D97-AF65-F5344CB8AC3E}">

--- a/interfaz-vista/interfaz-1.pptx
+++ b/interfaz-vista/interfaz-1.pptx
@@ -3348,6 +3348,80 @@
           </a:p>
         </p:txBody>
       </p:sp>
+      <p:sp>
+        <p:nvSpPr>
+          <p:cNvPr id="3" name="CuadroTexto 2"/>
+          <p:cNvSpPr txBox="1"/>
+          <p:nvPr/>
+        </p:nvSpPr>
+        <p:spPr>
+          <a:xfrm>
+            <a:off x="334107" y="4088402"/>
+            <a:ext cx="3200400" cy="1200329"/>
+          </a:xfrm>
+          <a:prstGeom prst="rect">
+            <a:avLst/>
+          </a:prstGeom>
+          <a:noFill/>
+        </p:spPr>
+        <p:txBody>
+          <a:bodyPr wrap="square" rtlCol="0">
+            <a:spAutoFit/>
+          </a:bodyPr>
+          <a:lstStyle/>
+          <a:p>
+            <a:r>
+              <a:rPr lang="es-ES" dirty="0" smtClean="0"/>
+              <a:t>Ver si hacemos un perfil para el cajero, por si tenemos dos o más </a:t>
+            </a:r>
+            <a:r>
+              <a:rPr lang="es-ES" dirty="0" err="1" smtClean="0"/>
+              <a:t>compus</a:t>
+            </a:r>
+            <a:r>
+              <a:rPr lang="es-ES" dirty="0" smtClean="0"/>
+              <a:t>. El botón sería por ej ‘Cajero o Ingreso Cajero’.</a:t>
+            </a:r>
+            <a:endParaRPr lang="es-AR" dirty="0"/>
+          </a:p>
+        </p:txBody>
+      </p:sp>
+      <p:cxnSp>
+        <p:nvCxnSpPr>
+          <p:cNvPr id="6" name="Conector recto de flecha 5"/>
+          <p:cNvCxnSpPr>
+            <a:stCxn id="12" idx="1"/>
+            <a:endCxn id="3" idx="3"/>
+          </p:cNvCxnSpPr>
+          <p:nvPr/>
+        </p:nvCxnSpPr>
+        <p:spPr>
+          <a:xfrm flipH="1">
+            <a:off x="3534507" y="4681873"/>
+            <a:ext cx="1239709" cy="6694"/>
+          </a:xfrm>
+          <a:prstGeom prst="straightConnector1">
+            <a:avLst/>
+          </a:prstGeom>
+          <a:ln>
+            <a:tailEnd type="triangle"/>
+          </a:ln>
+        </p:spPr>
+        <p:style>
+          <a:lnRef idx="1">
+            <a:schemeClr val="accent1"/>
+          </a:lnRef>
+          <a:fillRef idx="0">
+            <a:schemeClr val="accent1"/>
+          </a:fillRef>
+          <a:effectRef idx="0">
+            <a:schemeClr val="accent1"/>
+          </a:effectRef>
+          <a:fontRef idx="minor">
+            <a:schemeClr val="tx1"/>
+          </a:fontRef>
+        </p:style>
+      </p:cxnSp>
     </p:spTree>
     <p:extLst>
       <p:ext uri="{BB962C8B-B14F-4D97-AF65-F5344CB8AC3E}">
@@ -4286,8 +4360,9 @@
             <a:pPr algn="ctr"/>
             <a:r>
               <a:rPr lang="es-ES" dirty="0" smtClean="0"/>
-              <a:t>Info de la mesa</a:t>
-            </a:r>
+              <a:t>Consultar Detalle de Mesa</a:t>
+            </a:r>
+            <a:endParaRPr lang="es-ES" dirty="0" smtClean="0"/>
           </a:p>
         </p:txBody>
       </p:sp>
@@ -4299,8 +4374,8 @@
         </p:nvSpPr>
         <p:spPr>
           <a:xfrm>
-            <a:off x="2787162" y="1691049"/>
-            <a:ext cx="3209192" cy="1477328"/>
+            <a:off x="624256" y="1712601"/>
+            <a:ext cx="2242036" cy="923330"/>
           </a:xfrm>
           <a:prstGeom prst="rect">
             <a:avLst/>
@@ -4315,33 +4390,33 @@
           <a:p>
             <a:r>
               <a:rPr lang="es-ES" dirty="0" smtClean="0"/>
-              <a:t>Nro de mesa:</a:t>
-            </a:r>
-          </a:p>
-          <a:p>
-            <a:r>
-              <a:rPr lang="es-ES" dirty="0" smtClean="0"/>
-              <a:t>Mozo: __</a:t>
-            </a:r>
-          </a:p>
-          <a:p>
-            <a:r>
-              <a:rPr lang="es-ES" dirty="0" smtClean="0"/>
-              <a:t>Fecha: __</a:t>
-            </a:r>
-          </a:p>
-          <a:p>
-            <a:r>
-              <a:rPr lang="es-ES" dirty="0" smtClean="0"/>
-              <a:t>Hora: __</a:t>
-            </a:r>
-          </a:p>
-          <a:p>
-            <a:r>
-              <a:rPr lang="es-ES" dirty="0" smtClean="0"/>
-              <a:t>+ datos</a:t>
-            </a:r>
-            <a:endParaRPr lang="es-AR" dirty="0"/>
+              <a:t>Datos de Mesa</a:t>
+            </a:r>
+          </a:p>
+          <a:p>
+            <a:r>
+              <a:rPr lang="es-ES" dirty="0" smtClean="0"/>
+              <a:t>Nro. </a:t>
+            </a:r>
+            <a:r>
+              <a:rPr lang="es-ES" dirty="0" smtClean="0"/>
+              <a:t>de mesa</a:t>
+            </a:r>
+            <a:r>
+              <a:rPr lang="es-ES" dirty="0" smtClean="0"/>
+              <a:t>: __</a:t>
+            </a:r>
+            <a:endParaRPr lang="es-ES" dirty="0" smtClean="0"/>
+          </a:p>
+          <a:p>
+            <a:r>
+              <a:rPr lang="es-ES" dirty="0" smtClean="0"/>
+              <a:t>Mozo: </a:t>
+            </a:r>
+            <a:r>
+              <a:rPr lang="es-ES" dirty="0" smtClean="0"/>
+              <a:t>__</a:t>
+            </a:r>
           </a:p>
         </p:txBody>
       </p:sp>
@@ -4353,7 +4428,7 @@
         </p:nvSpPr>
         <p:spPr>
           <a:xfrm>
-            <a:off x="2329964" y="4996956"/>
+            <a:off x="2017835" y="4992558"/>
             <a:ext cx="2233246" cy="430823"/>
           </a:xfrm>
           <a:prstGeom prst="rect">
@@ -4389,14 +4464,14 @@
       </p:sp>
       <p:sp>
         <p:nvSpPr>
-          <p:cNvPr id="7" name="CuadroTexto 6"/>
+          <p:cNvPr id="5" name="CuadroTexto 4"/>
           <p:cNvSpPr txBox="1"/>
           <p:nvPr/>
         </p:nvSpPr>
         <p:spPr>
           <a:xfrm>
-            <a:off x="5908431" y="1691049"/>
-            <a:ext cx="3209192" cy="369332"/>
+            <a:off x="3361592" y="1647609"/>
+            <a:ext cx="3094892" cy="2862322"/>
           </a:xfrm>
           <a:prstGeom prst="rect">
             <a:avLst/>
@@ -4413,48 +4488,70 @@
               <a:rPr lang="es-ES" dirty="0" smtClean="0"/>
               <a:t>Detalle de Pedido</a:t>
             </a:r>
+          </a:p>
+          <a:p>
+            <a:endParaRPr lang="es-ES" dirty="0" smtClean="0"/>
+          </a:p>
+          <a:p>
+            <a:r>
+              <a:rPr lang="es-ES" dirty="0" smtClean="0"/>
+              <a:t>- </a:t>
+            </a:r>
+            <a:r>
+              <a:rPr lang="es-ES" dirty="0" smtClean="0"/>
+              <a:t>Pedido Nro 00</a:t>
+            </a:r>
+          </a:p>
+          <a:p>
+            <a:r>
+              <a:rPr lang="es-ES" dirty="0" smtClean="0"/>
+              <a:t>Producto 1 $__</a:t>
+            </a:r>
+          </a:p>
+          <a:p>
+            <a:r>
+              <a:rPr lang="es-ES" dirty="0" smtClean="0"/>
+              <a:t>Producto 2 </a:t>
+            </a:r>
+            <a:r>
+              <a:rPr lang="es-ES" dirty="0" smtClean="0"/>
+              <a:t>$__</a:t>
+            </a:r>
+          </a:p>
+          <a:p>
+            <a:endParaRPr lang="es-ES" dirty="0"/>
+          </a:p>
+          <a:p>
+            <a:r>
+              <a:rPr lang="es-ES" dirty="0"/>
+              <a:t>Fecha</a:t>
+            </a:r>
+            <a:r>
+              <a:rPr lang="es-ES" dirty="0" smtClean="0"/>
+              <a:t>: __/__/__</a:t>
+            </a:r>
+            <a:endParaRPr lang="es-ES" dirty="0"/>
+          </a:p>
+          <a:p>
+            <a:r>
+              <a:rPr lang="es-ES" dirty="0"/>
+              <a:t>Hora</a:t>
+            </a:r>
+            <a:r>
+              <a:rPr lang="es-ES" dirty="0" smtClean="0"/>
+              <a:t>: __:__ hs</a:t>
+            </a:r>
+            <a:endParaRPr lang="es-ES" dirty="0"/>
+          </a:p>
+          <a:p>
+            <a:r>
+              <a:rPr lang="es-ES" dirty="0"/>
+              <a:t>Importe Total: $____</a:t>
+            </a:r>
             <a:endParaRPr lang="es-AR" dirty="0"/>
           </a:p>
-        </p:txBody>
-      </p:sp>
-      <p:sp>
-        <p:nvSpPr>
-          <p:cNvPr id="5" name="CuadroTexto 4"/>
-          <p:cNvSpPr txBox="1"/>
-          <p:nvPr/>
-        </p:nvSpPr>
-        <p:spPr>
-          <a:xfrm>
-            <a:off x="6400801" y="2267137"/>
-            <a:ext cx="3094892" cy="923330"/>
-          </a:xfrm>
-          <a:prstGeom prst="rect">
-            <a:avLst/>
-          </a:prstGeom>
-          <a:noFill/>
-        </p:spPr>
-        <p:txBody>
-          <a:bodyPr wrap="square" rtlCol="0">
-            <a:spAutoFit/>
-          </a:bodyPr>
-          <a:lstStyle/>
-          <a:p>
-            <a:r>
-              <a:rPr lang="es-ES" dirty="0" smtClean="0"/>
-              <a:t>- Pedido Nro 00</a:t>
-            </a:r>
-          </a:p>
-          <a:p>
-            <a:r>
-              <a:rPr lang="es-ES" dirty="0" smtClean="0"/>
-              <a:t>Producto 1 $__</a:t>
-            </a:r>
-          </a:p>
-          <a:p>
-            <a:r>
-              <a:rPr lang="es-ES" dirty="0" smtClean="0"/>
-              <a:t>Producto 2 $__</a:t>
-            </a:r>
+          <a:p>
+            <a:endParaRPr lang="es-ES" dirty="0" smtClean="0"/>
           </a:p>
         </p:txBody>
       </p:sp>
@@ -4466,7 +4563,7 @@
         </p:nvSpPr>
         <p:spPr>
           <a:xfrm>
-            <a:off x="4835771" y="4996956"/>
+            <a:off x="8301403" y="4335480"/>
             <a:ext cx="2233246" cy="430823"/>
           </a:xfrm>
           <a:prstGeom prst="rect">
@@ -4494,37 +4591,11 @@
             <a:pPr algn="ctr"/>
             <a:r>
               <a:rPr lang="es-ES" dirty="0" smtClean="0"/>
-              <a:t>Emitir Ticket</a:t>
-            </a:r>
-            <a:endParaRPr lang="es-AR" dirty="0"/>
-          </a:p>
-        </p:txBody>
-      </p:sp>
-      <p:sp>
-        <p:nvSpPr>
-          <p:cNvPr id="8" name="CuadroTexto 7"/>
-          <p:cNvSpPr txBox="1"/>
-          <p:nvPr/>
-        </p:nvSpPr>
-        <p:spPr>
-          <a:xfrm>
-            <a:off x="6400800" y="3344002"/>
-            <a:ext cx="2690446" cy="369332"/>
-          </a:xfrm>
-          <a:prstGeom prst="rect">
-            <a:avLst/>
-          </a:prstGeom>
-          <a:noFill/>
-        </p:spPr>
-        <p:txBody>
-          <a:bodyPr wrap="square" rtlCol="0">
-            <a:spAutoFit/>
-          </a:bodyPr>
-          <a:lstStyle/>
-          <a:p>
-            <a:r>
-              <a:rPr lang="es-ES" dirty="0" smtClean="0"/>
-              <a:t>Importe Total: $____</a:t>
+              <a:t>Imprimir </a:t>
+            </a:r>
+            <a:r>
+              <a:rPr lang="es-ES" dirty="0" smtClean="0"/>
+              <a:t>Ticket</a:t>
             </a:r>
             <a:endParaRPr lang="es-AR" dirty="0"/>
           </a:p>
@@ -4538,7 +4609,7 @@
         </p:nvSpPr>
         <p:spPr>
           <a:xfrm>
-            <a:off x="7341578" y="4996955"/>
+            <a:off x="8292611" y="4992558"/>
             <a:ext cx="2233246" cy="430823"/>
           </a:xfrm>
           <a:prstGeom prst="rect">
@@ -4646,16 +4717,95 @@
           </a:fontRef>
         </p:style>
       </p:cxnSp>
-      <p:sp>
-        <p:nvSpPr>
-          <p:cNvPr id="18" name="Rectángulo 17"/>
+      <p:cxnSp>
+        <p:nvCxnSpPr>
+          <p:cNvPr id="10" name="Conector recto 9"/>
+          <p:cNvCxnSpPr/>
+          <p:nvPr/>
+        </p:nvCxnSpPr>
+        <p:spPr>
+          <a:xfrm flipH="1">
+            <a:off x="6251331" y="949569"/>
+            <a:ext cx="17584" cy="5908431"/>
+          </a:xfrm>
+          <a:prstGeom prst="line">
+            <a:avLst/>
+          </a:prstGeom>
+        </p:spPr>
+        <p:style>
+          <a:lnRef idx="1">
+            <a:schemeClr val="accent1"/>
+          </a:lnRef>
+          <a:fillRef idx="0">
+            <a:schemeClr val="accent1"/>
+          </a:fillRef>
+          <a:effectRef idx="0">
+            <a:schemeClr val="accent1"/>
+          </a:effectRef>
+          <a:fontRef idx="minor">
+            <a:schemeClr val="tx1"/>
+          </a:fontRef>
+        </p:style>
+      </p:cxnSp>
+      <p:sp>
+        <p:nvSpPr>
+          <p:cNvPr id="21" name="CuadroTexto 20"/>
+          <p:cNvSpPr txBox="1"/>
+          <p:nvPr/>
+        </p:nvSpPr>
+        <p:spPr>
+          <a:xfrm>
+            <a:off x="6912219" y="1310050"/>
+            <a:ext cx="4799135" cy="1477328"/>
+          </a:xfrm>
+          <a:prstGeom prst="rect">
+            <a:avLst/>
+          </a:prstGeom>
+          <a:noFill/>
+        </p:spPr>
+        <p:txBody>
+          <a:bodyPr wrap="square" rtlCol="0">
+            <a:spAutoFit/>
+          </a:bodyPr>
+          <a:lstStyle/>
+          <a:p>
+            <a:pPr algn="ctr"/>
+            <a:r>
+              <a:rPr lang="es-ES" dirty="0" smtClean="0"/>
+              <a:t>Detalle de Pago</a:t>
+            </a:r>
+          </a:p>
+          <a:p>
+            <a:endParaRPr lang="es-ES" dirty="0"/>
+          </a:p>
+          <a:p>
+            <a:r>
+              <a:rPr lang="es-ES" dirty="0" smtClean="0"/>
+              <a:t>Monto total: $___,__</a:t>
+            </a:r>
+          </a:p>
+          <a:p>
+            <a:endParaRPr lang="es-ES" dirty="0" smtClean="0"/>
+          </a:p>
+          <a:p>
+            <a:r>
+              <a:rPr lang="es-ES" dirty="0" smtClean="0"/>
+              <a:t>Formas de pago: [ ] Efectivo  [ ] Tarjeta  [ ] Otro</a:t>
+            </a:r>
+            <a:endParaRPr lang="es-ES" dirty="0" smtClean="0"/>
+          </a:p>
+        </p:txBody>
+      </p:sp>
+      <p:sp>
+        <p:nvSpPr>
+          <p:cNvPr id="22" name="Rectángulo 21"/>
           <p:cNvSpPr/>
           <p:nvPr/>
         </p:nvSpPr>
         <p:spPr>
           <a:xfrm>
-            <a:off x="6185389" y="4043265"/>
-            <a:ext cx="2655275" cy="430823"/>
+            <a:off x="8295542" y="3256586"/>
+            <a:ext cx="2233246" cy="430823"/>
           </a:xfrm>
           <a:prstGeom prst="rect">
             <a:avLst/>
@@ -4679,53 +4829,12 @@
           <a:bodyPr rtlCol="0" anchor="ctr"/>
           <a:lstStyle/>
           <a:p>
-            <a:r>
-              <a:rPr lang="es-ES" dirty="0" smtClean="0"/>
-              <a:t>Forma de pago</a:t>
+            <a:pPr algn="ctr"/>
+            <a:r>
+              <a:rPr lang="es-ES" dirty="0" smtClean="0"/>
+              <a:t>Confirmar Pago</a:t>
             </a:r>
             <a:endParaRPr lang="es-AR" dirty="0"/>
-          </a:p>
-        </p:txBody>
-      </p:sp>
-      <p:sp>
-        <p:nvSpPr>
-          <p:cNvPr id="19" name="Triángulo isósceles 18"/>
-          <p:cNvSpPr/>
-          <p:nvPr/>
-        </p:nvSpPr>
-        <p:spPr>
-          <a:xfrm rot="10800000">
-            <a:off x="8354963" y="4173427"/>
-            <a:ext cx="386865" cy="199301"/>
-          </a:xfrm>
-          <a:prstGeom prst="triangle">
-            <a:avLst>
-              <a:gd name="adj" fmla="val 47849"/>
-            </a:avLst>
-          </a:prstGeom>
-        </p:spPr>
-        <p:style>
-          <a:lnRef idx="2">
-            <a:schemeClr val="accent3">
-              <a:shade val="50000"/>
-            </a:schemeClr>
-          </a:lnRef>
-          <a:fillRef idx="1">
-            <a:schemeClr val="accent3"/>
-          </a:fillRef>
-          <a:effectRef idx="0">
-            <a:schemeClr val="accent3"/>
-          </a:effectRef>
-          <a:fontRef idx="minor">
-            <a:schemeClr val="lt1"/>
-          </a:fontRef>
-        </p:style>
-        <p:txBody>
-          <a:bodyPr rtlCol="0" anchor="ctr"/>
-          <a:lstStyle/>
-          <a:p>
-            <a:pPr algn="ctr"/>
-            <a:endParaRPr lang="es-AR"/>
           </a:p>
         </p:txBody>
       </p:sp>

--- a/interfaz-vista/interfaz-1.pptx
+++ b/interfaz-vista/interfaz-1.pptx
@@ -249,7 +249,7 @@
           <a:p>
             <a:fld id="{C36E7963-36BB-44B4-AE99-0D5A92407603}" type="datetimeFigureOut">
               <a:rPr lang="es-AR" smtClean="0"/>
-              <a:t>13/3/2024</a:t>
+              <a:t>14/3/2024</a:t>
             </a:fld>
             <a:endParaRPr lang="es-AR"/>
           </a:p>
@@ -419,7 +419,7 @@
           <a:p>
             <a:fld id="{C36E7963-36BB-44B4-AE99-0D5A92407603}" type="datetimeFigureOut">
               <a:rPr lang="es-AR" smtClean="0"/>
-              <a:t>13/3/2024</a:t>
+              <a:t>14/3/2024</a:t>
             </a:fld>
             <a:endParaRPr lang="es-AR"/>
           </a:p>
@@ -599,7 +599,7 @@
           <a:p>
             <a:fld id="{C36E7963-36BB-44B4-AE99-0D5A92407603}" type="datetimeFigureOut">
               <a:rPr lang="es-AR" smtClean="0"/>
-              <a:t>13/3/2024</a:t>
+              <a:t>14/3/2024</a:t>
             </a:fld>
             <a:endParaRPr lang="es-AR"/>
           </a:p>
@@ -769,7 +769,7 @@
           <a:p>
             <a:fld id="{C36E7963-36BB-44B4-AE99-0D5A92407603}" type="datetimeFigureOut">
               <a:rPr lang="es-AR" smtClean="0"/>
-              <a:t>13/3/2024</a:t>
+              <a:t>14/3/2024</a:t>
             </a:fld>
             <a:endParaRPr lang="es-AR"/>
           </a:p>
@@ -1015,7 +1015,7 @@
           <a:p>
             <a:fld id="{C36E7963-36BB-44B4-AE99-0D5A92407603}" type="datetimeFigureOut">
               <a:rPr lang="es-AR" smtClean="0"/>
-              <a:t>13/3/2024</a:t>
+              <a:t>14/3/2024</a:t>
             </a:fld>
             <a:endParaRPr lang="es-AR"/>
           </a:p>
@@ -1247,7 +1247,7 @@
           <a:p>
             <a:fld id="{C36E7963-36BB-44B4-AE99-0D5A92407603}" type="datetimeFigureOut">
               <a:rPr lang="es-AR" smtClean="0"/>
-              <a:t>13/3/2024</a:t>
+              <a:t>14/3/2024</a:t>
             </a:fld>
             <a:endParaRPr lang="es-AR"/>
           </a:p>
@@ -1614,7 +1614,7 @@
           <a:p>
             <a:fld id="{C36E7963-36BB-44B4-AE99-0D5A92407603}" type="datetimeFigureOut">
               <a:rPr lang="es-AR" smtClean="0"/>
-              <a:t>13/3/2024</a:t>
+              <a:t>14/3/2024</a:t>
             </a:fld>
             <a:endParaRPr lang="es-AR"/>
           </a:p>
@@ -1732,7 +1732,7 @@
           <a:p>
             <a:fld id="{C36E7963-36BB-44B4-AE99-0D5A92407603}" type="datetimeFigureOut">
               <a:rPr lang="es-AR" smtClean="0"/>
-              <a:t>13/3/2024</a:t>
+              <a:t>14/3/2024</a:t>
             </a:fld>
             <a:endParaRPr lang="es-AR"/>
           </a:p>
@@ -1827,7 +1827,7 @@
           <a:p>
             <a:fld id="{C36E7963-36BB-44B4-AE99-0D5A92407603}" type="datetimeFigureOut">
               <a:rPr lang="es-AR" smtClean="0"/>
-              <a:t>13/3/2024</a:t>
+              <a:t>14/3/2024</a:t>
             </a:fld>
             <a:endParaRPr lang="es-AR"/>
           </a:p>
@@ -2104,7 +2104,7 @@
           <a:p>
             <a:fld id="{C36E7963-36BB-44B4-AE99-0D5A92407603}" type="datetimeFigureOut">
               <a:rPr lang="es-AR" smtClean="0"/>
-              <a:t>13/3/2024</a:t>
+              <a:t>14/3/2024</a:t>
             </a:fld>
             <a:endParaRPr lang="es-AR"/>
           </a:p>
@@ -2357,7 +2357,7 @@
           <a:p>
             <a:fld id="{C36E7963-36BB-44B4-AE99-0D5A92407603}" type="datetimeFigureOut">
               <a:rPr lang="es-AR" smtClean="0"/>
-              <a:t>13/3/2024</a:t>
+              <a:t>14/3/2024</a:t>
             </a:fld>
             <a:endParaRPr lang="es-AR"/>
           </a:p>
@@ -2570,7 +2570,7 @@
           <a:p>
             <a:fld id="{C36E7963-36BB-44B4-AE99-0D5A92407603}" type="datetimeFigureOut">
               <a:rPr lang="es-AR" smtClean="0"/>
-              <a:t>13/3/2024</a:t>
+              <a:t>14/3/2024</a:t>
             </a:fld>
             <a:endParaRPr lang="es-AR"/>
           </a:p>
@@ -4362,7 +4362,6 @@
               <a:rPr lang="es-ES" dirty="0" smtClean="0"/>
               <a:t>Consultar Detalle de Mesa</a:t>
             </a:r>
-            <a:endParaRPr lang="es-ES" dirty="0" smtClean="0"/>
           </a:p>
         </p:txBody>
       </p:sp>
@@ -4396,26 +4395,13 @@
           <a:p>
             <a:r>
               <a:rPr lang="es-ES" dirty="0" smtClean="0"/>
-              <a:t>Nro. </a:t>
-            </a:r>
-            <a:r>
-              <a:rPr lang="es-ES" dirty="0" smtClean="0"/>
-              <a:t>de mesa</a:t>
-            </a:r>
-            <a:r>
-              <a:rPr lang="es-ES" dirty="0" smtClean="0"/>
-              <a:t>: __</a:t>
-            </a:r>
-            <a:endParaRPr lang="es-ES" dirty="0" smtClean="0"/>
-          </a:p>
-          <a:p>
-            <a:r>
-              <a:rPr lang="es-ES" dirty="0" smtClean="0"/>
-              <a:t>Mozo: </a:t>
-            </a:r>
-            <a:r>
-              <a:rPr lang="es-ES" dirty="0" smtClean="0"/>
-              <a:t>__</a:t>
+              <a:t>Nro. de mesa: __</a:t>
+            </a:r>
+          </a:p>
+          <a:p>
+            <a:r>
+              <a:rPr lang="es-ES" dirty="0" smtClean="0"/>
+              <a:t>Mozo: __</a:t>
             </a:r>
           </a:p>
         </p:txBody>
@@ -4428,7 +4414,7 @@
         </p:nvSpPr>
         <p:spPr>
           <a:xfrm>
-            <a:off x="2017835" y="4992558"/>
+            <a:off x="1745274" y="4786193"/>
             <a:ext cx="2233246" cy="430823"/>
           </a:xfrm>
           <a:prstGeom prst="rect">
@@ -4470,7 +4456,7 @@
         </p:nvSpPr>
         <p:spPr>
           <a:xfrm>
-            <a:off x="3361592" y="1647609"/>
+            <a:off x="3030715" y="1582616"/>
             <a:ext cx="3094892" cy="2862322"/>
           </a:xfrm>
           <a:prstGeom prst="rect">
@@ -4495,11 +4481,7 @@
           <a:p>
             <a:r>
               <a:rPr lang="es-ES" dirty="0" smtClean="0"/>
-              <a:t>- </a:t>
-            </a:r>
-            <a:r>
-              <a:rPr lang="es-ES" dirty="0" smtClean="0"/>
-              <a:t>Pedido Nro 00</a:t>
+              <a:t>- Pedido Nro 00</a:t>
             </a:r>
           </a:p>
           <a:p>
@@ -4511,11 +4493,7 @@
           <a:p>
             <a:r>
               <a:rPr lang="es-ES" dirty="0" smtClean="0"/>
-              <a:t>Producto 2 </a:t>
-            </a:r>
-            <a:r>
-              <a:rPr lang="es-ES" dirty="0" smtClean="0"/>
-              <a:t>$__</a:t>
+              <a:t>Producto 2 $__</a:t>
             </a:r>
           </a:p>
           <a:p>
@@ -4563,7 +4541,7 @@
         </p:nvSpPr>
         <p:spPr>
           <a:xfrm>
-            <a:off x="8301403" y="4335480"/>
+            <a:off x="8044960" y="4850479"/>
             <a:ext cx="2233246" cy="430823"/>
           </a:xfrm>
           <a:prstGeom prst="rect">
@@ -4591,11 +4569,7 @@
             <a:pPr algn="ctr"/>
             <a:r>
               <a:rPr lang="es-ES" dirty="0" smtClean="0"/>
-              <a:t>Imprimir </a:t>
-            </a:r>
-            <a:r>
-              <a:rPr lang="es-ES" dirty="0" smtClean="0"/>
-              <a:t>Ticket</a:t>
+              <a:t>Cobrar</a:t>
             </a:r>
             <a:endParaRPr lang="es-AR" dirty="0"/>
           </a:p>
@@ -4609,7 +4583,7 @@
         </p:nvSpPr>
         <p:spPr>
           <a:xfrm>
-            <a:off x="8292611" y="4992558"/>
+            <a:off x="8036168" y="5507557"/>
             <a:ext cx="2233246" cy="430823"/>
           </a:xfrm>
           <a:prstGeom prst="rect">
@@ -4755,8 +4729,8 @@
         </p:nvSpPr>
         <p:spPr>
           <a:xfrm>
-            <a:off x="6912219" y="1310050"/>
-            <a:ext cx="4799135" cy="1477328"/>
+            <a:off x="7104915" y="1012164"/>
+            <a:ext cx="4799135" cy="923330"/>
           </a:xfrm>
           <a:prstGeom prst="rect">
             <a:avLst/>
@@ -4781,31 +4755,50 @@
           <a:p>
             <a:r>
               <a:rPr lang="es-ES" dirty="0" smtClean="0"/>
-              <a:t>Monto total: $___,__</a:t>
-            </a:r>
-          </a:p>
-          <a:p>
+              <a:t>Monto total: </a:t>
+            </a:r>
+            <a:r>
+              <a:rPr lang="es-ES" dirty="0" smtClean="0"/>
+              <a:t>$___</a:t>
+            </a:r>
             <a:endParaRPr lang="es-ES" dirty="0" smtClean="0"/>
           </a:p>
-          <a:p>
-            <a:r>
-              <a:rPr lang="es-ES" dirty="0" smtClean="0"/>
-              <a:t>Formas de pago: [ ] Efectivo  [ ] Tarjeta  [ ] Otro</a:t>
-            </a:r>
-            <a:endParaRPr lang="es-ES" dirty="0" smtClean="0"/>
-          </a:p>
-        </p:txBody>
-      </p:sp>
-      <p:sp>
-        <p:nvSpPr>
-          <p:cNvPr id="22" name="Rectángulo 21"/>
+        </p:txBody>
+      </p:sp>
+      <p:pic>
+        <p:nvPicPr>
+          <p:cNvPr id="6" name="Imagen 5"/>
+          <p:cNvPicPr>
+            <a:picLocks noChangeAspect="1"/>
+          </p:cNvPicPr>
+          <p:nvPr/>
+        </p:nvPicPr>
+        <p:blipFill>
+          <a:blip r:embed="rId2"/>
+          <a:stretch>
+            <a:fillRect/>
+          </a:stretch>
+        </p:blipFill>
+        <p:spPr>
+          <a:xfrm>
+            <a:off x="7651044" y="1970623"/>
+            <a:ext cx="2970062" cy="1962467"/>
+          </a:xfrm>
+          <a:prstGeom prst="rect">
+            <a:avLst/>
+          </a:prstGeom>
+        </p:spPr>
+      </p:pic>
+      <p:sp>
+        <p:nvSpPr>
+          <p:cNvPr id="15" name="Rectángulo 14"/>
           <p:cNvSpPr/>
           <p:nvPr/>
         </p:nvSpPr>
         <p:spPr>
           <a:xfrm>
-            <a:off x="8295542" y="3256586"/>
-            <a:ext cx="2233246" cy="430823"/>
+            <a:off x="7793782" y="2121940"/>
+            <a:ext cx="2725615" cy="430823"/>
           </a:xfrm>
           <a:prstGeom prst="rect">
             <a:avLst/>
@@ -4829,15 +4822,249 @@
           <a:bodyPr rtlCol="0" anchor="ctr"/>
           <a:lstStyle/>
           <a:p>
+            <a:r>
+              <a:rPr lang="es-ES" dirty="0" smtClean="0"/>
+              <a:t>Métodos de pago</a:t>
+            </a:r>
+            <a:endParaRPr lang="es-AR" dirty="0"/>
+          </a:p>
+        </p:txBody>
+      </p:sp>
+      <p:sp>
+        <p:nvSpPr>
+          <p:cNvPr id="7" name="Triángulo isósceles 6"/>
+          <p:cNvSpPr/>
+          <p:nvPr/>
+        </p:nvSpPr>
+        <p:spPr>
+          <a:xfrm rot="10800000">
+            <a:off x="10040515" y="2184535"/>
+            <a:ext cx="353158" cy="325177"/>
+          </a:xfrm>
+          <a:prstGeom prst="triangle">
+            <a:avLst/>
+          </a:prstGeom>
+        </p:spPr>
+        <p:style>
+          <a:lnRef idx="2">
+            <a:schemeClr val="accent3">
+              <a:shade val="50000"/>
+            </a:schemeClr>
+          </a:lnRef>
+          <a:fillRef idx="1">
+            <a:schemeClr val="accent3"/>
+          </a:fillRef>
+          <a:effectRef idx="0">
+            <a:schemeClr val="accent3"/>
+          </a:effectRef>
+          <a:fontRef idx="minor">
+            <a:schemeClr val="lt1"/>
+          </a:fontRef>
+        </p:style>
+        <p:txBody>
+          <a:bodyPr rtlCol="0" anchor="ctr"/>
+          <a:lstStyle/>
+          <a:p>
             <a:pPr algn="ctr"/>
-            <a:r>
-              <a:rPr lang="es-ES" dirty="0" smtClean="0"/>
-              <a:t>Confirmar Pago</a:t>
-            </a:r>
-            <a:endParaRPr lang="es-AR" dirty="0"/>
-          </a:p>
-        </p:txBody>
-      </p:sp>
+            <a:endParaRPr lang="es-AR"/>
+          </a:p>
+        </p:txBody>
+      </p:sp>
+      <p:sp>
+        <p:nvSpPr>
+          <p:cNvPr id="18" name="CuadroTexto 17"/>
+          <p:cNvSpPr txBox="1"/>
+          <p:nvPr/>
+        </p:nvSpPr>
+        <p:spPr>
+          <a:xfrm>
+            <a:off x="6795721" y="4119776"/>
+            <a:ext cx="1473444" cy="646331"/>
+          </a:xfrm>
+          <a:prstGeom prst="rect">
+            <a:avLst/>
+          </a:prstGeom>
+          <a:noFill/>
+        </p:spPr>
+        <p:txBody>
+          <a:bodyPr wrap="square" rtlCol="0">
+            <a:spAutoFit/>
+          </a:bodyPr>
+          <a:lstStyle/>
+          <a:p>
+            <a:r>
+              <a:rPr lang="es-ES" dirty="0" smtClean="0"/>
+              <a:t>Efectivo: $32</a:t>
+            </a:r>
+          </a:p>
+          <a:p>
+            <a:r>
+              <a:rPr lang="es-ES" dirty="0" smtClean="0"/>
+              <a:t>Tarjeta:   $30</a:t>
+            </a:r>
+            <a:endParaRPr lang="es-ES" dirty="0" smtClean="0"/>
+          </a:p>
+        </p:txBody>
+      </p:sp>
+      <p:sp>
+        <p:nvSpPr>
+          <p:cNvPr id="19" name="CuadroTexto 18"/>
+          <p:cNvSpPr txBox="1"/>
+          <p:nvPr/>
+        </p:nvSpPr>
+        <p:spPr>
+          <a:xfrm>
+            <a:off x="9277416" y="3421840"/>
+            <a:ext cx="1879356" cy="369332"/>
+          </a:xfrm>
+          <a:prstGeom prst="rect">
+            <a:avLst/>
+          </a:prstGeom>
+          <a:noFill/>
+        </p:spPr>
+        <p:txBody>
+          <a:bodyPr wrap="square" rtlCol="0">
+            <a:spAutoFit/>
+          </a:bodyPr>
+          <a:lstStyle/>
+          <a:p>
+            <a:r>
+              <a:rPr lang="es-ES" dirty="0" smtClean="0"/>
+              <a:t>Resto: $__</a:t>
+            </a:r>
+            <a:endParaRPr lang="es-ES" dirty="0" smtClean="0"/>
+          </a:p>
+        </p:txBody>
+      </p:sp>
+      <p:sp>
+        <p:nvSpPr>
+          <p:cNvPr id="20" name="Rectángulo 19"/>
+          <p:cNvSpPr/>
+          <p:nvPr/>
+        </p:nvSpPr>
+        <p:spPr>
+          <a:xfrm>
+            <a:off x="4968384" y="5558272"/>
+            <a:ext cx="2136531" cy="1221976"/>
+          </a:xfrm>
+          <a:prstGeom prst="rect">
+            <a:avLst/>
+          </a:prstGeom>
+          <a:solidFill>
+            <a:schemeClr val="bg1"/>
+          </a:solidFill>
+        </p:spPr>
+        <p:style>
+          <a:lnRef idx="2">
+            <a:schemeClr val="accent1">
+              <a:shade val="50000"/>
+            </a:schemeClr>
+          </a:lnRef>
+          <a:fillRef idx="1">
+            <a:schemeClr val="accent1"/>
+          </a:fillRef>
+          <a:effectRef idx="0">
+            <a:schemeClr val="accent1"/>
+          </a:effectRef>
+          <a:fontRef idx="minor">
+            <a:schemeClr val="lt1"/>
+          </a:fontRef>
+        </p:style>
+        <p:txBody>
+          <a:bodyPr rtlCol="0" anchor="t"/>
+          <a:lstStyle/>
+          <a:p>
+            <a:pPr algn="ctr"/>
+            <a:r>
+              <a:rPr lang="es-ES" dirty="0" smtClean="0">
+                <a:solidFill>
+                  <a:schemeClr val="tx1"/>
+                </a:solidFill>
+              </a:rPr>
+              <a:t>ABMC para cada detalle (ej. Eliminar o </a:t>
+            </a:r>
+            <a:r>
+              <a:rPr lang="es-ES" dirty="0" smtClean="0">
+                <a:solidFill>
+                  <a:schemeClr val="tx1"/>
+                </a:solidFill>
+              </a:rPr>
+              <a:t>modificar un método de pago)</a:t>
+            </a:r>
+            <a:endParaRPr lang="es-ES" dirty="0" smtClean="0">
+              <a:solidFill>
+                <a:schemeClr val="tx1"/>
+              </a:solidFill>
+            </a:endParaRPr>
+          </a:p>
+        </p:txBody>
+      </p:sp>
+      <p:cxnSp>
+        <p:nvCxnSpPr>
+          <p:cNvPr id="11" name="Conector recto de flecha 10"/>
+          <p:cNvCxnSpPr/>
+          <p:nvPr/>
+        </p:nvCxnSpPr>
+        <p:spPr>
+          <a:xfrm flipH="1">
+            <a:off x="6585438" y="4850479"/>
+            <a:ext cx="105508" cy="572902"/>
+          </a:xfrm>
+          <a:prstGeom prst="straightConnector1">
+            <a:avLst/>
+          </a:prstGeom>
+          <a:ln>
+            <a:tailEnd type="triangle"/>
+          </a:ln>
+        </p:spPr>
+        <p:style>
+          <a:lnRef idx="1">
+            <a:schemeClr val="accent1"/>
+          </a:lnRef>
+          <a:fillRef idx="0">
+            <a:schemeClr val="accent1"/>
+          </a:fillRef>
+          <a:effectRef idx="0">
+            <a:schemeClr val="accent1"/>
+          </a:effectRef>
+          <a:fontRef idx="minor">
+            <a:schemeClr val="tx1"/>
+          </a:fontRef>
+        </p:style>
+      </p:cxnSp>
+      <p:cxnSp>
+        <p:nvCxnSpPr>
+          <p:cNvPr id="23" name="Conector recto de flecha 22"/>
+          <p:cNvCxnSpPr/>
+          <p:nvPr/>
+        </p:nvCxnSpPr>
+        <p:spPr>
+          <a:xfrm>
+            <a:off x="5222631" y="4850479"/>
+            <a:ext cx="246184" cy="430823"/>
+          </a:xfrm>
+          <a:prstGeom prst="straightConnector1">
+            <a:avLst/>
+          </a:prstGeom>
+          <a:ln>
+            <a:tailEnd type="triangle"/>
+          </a:ln>
+        </p:spPr>
+        <p:style>
+          <a:lnRef idx="1">
+            <a:schemeClr val="accent1"/>
+          </a:lnRef>
+          <a:fillRef idx="0">
+            <a:schemeClr val="accent1"/>
+          </a:fillRef>
+          <a:effectRef idx="0">
+            <a:schemeClr val="accent1"/>
+          </a:effectRef>
+          <a:fontRef idx="minor">
+            <a:schemeClr val="tx1"/>
+          </a:fontRef>
+        </p:style>
+      </p:cxnSp>
     </p:spTree>
     <p:extLst>
       <p:ext uri="{BB962C8B-B14F-4D97-AF65-F5344CB8AC3E}">
@@ -4993,7 +5220,7 @@
         </p:nvSpPr>
         <p:spPr>
           <a:xfrm>
-            <a:off x="1159115" y="5279596"/>
+            <a:off x="7325456" y="5316184"/>
             <a:ext cx="2023700" cy="422031"/>
           </a:xfrm>
           <a:prstGeom prst="rect">
@@ -5073,7 +5300,11 @@
             </a:r>
             <a:r>
               <a:rPr lang="es-ES" dirty="0" smtClean="0"/>
-              <a:t> | Bebidas</a:t>
+              <a:t> </a:t>
+            </a:r>
+            <a:r>
+              <a:rPr lang="es-ES" dirty="0" smtClean="0"/>
+              <a:t>| Bebidas</a:t>
             </a:r>
             <a:endParaRPr lang="es-AR" dirty="0"/>
           </a:p>
@@ -5111,48 +5342,6 @@
       </p:sp>
       <p:sp>
         <p:nvSpPr>
-          <p:cNvPr id="24" name="Rectángulo 23"/>
-          <p:cNvSpPr/>
-          <p:nvPr/>
-        </p:nvSpPr>
-        <p:spPr>
-          <a:xfrm>
-            <a:off x="2987916" y="2563061"/>
-            <a:ext cx="1201617" cy="422031"/>
-          </a:xfrm>
-          <a:prstGeom prst="rect">
-            <a:avLst/>
-          </a:prstGeom>
-        </p:spPr>
-        <p:style>
-          <a:lnRef idx="0">
-            <a:schemeClr val="accent5"/>
-          </a:lnRef>
-          <a:fillRef idx="3">
-            <a:schemeClr val="accent5"/>
-          </a:fillRef>
-          <a:effectRef idx="3">
-            <a:schemeClr val="accent5"/>
-          </a:effectRef>
-          <a:fontRef idx="minor">
-            <a:schemeClr val="lt1"/>
-          </a:fontRef>
-        </p:style>
-        <p:txBody>
-          <a:bodyPr rtlCol="0" anchor="ctr"/>
-          <a:lstStyle/>
-          <a:p>
-            <a:pPr algn="ctr"/>
-            <a:r>
-              <a:rPr lang="es-ES" dirty="0" smtClean="0"/>
-              <a:t>+ _____ -</a:t>
-            </a:r>
-            <a:endParaRPr lang="es-AR" dirty="0"/>
-          </a:p>
-        </p:txBody>
-      </p:sp>
-      <p:sp>
-        <p:nvSpPr>
           <p:cNvPr id="25" name="CuadroTexto 24"/>
           <p:cNvSpPr txBox="1"/>
           <p:nvPr/>
@@ -5183,14 +5372,146 @@
       </p:sp>
       <p:sp>
         <p:nvSpPr>
-          <p:cNvPr id="26" name="Rectángulo 25"/>
+          <p:cNvPr id="12" name="CuadroTexto 11"/>
+          <p:cNvSpPr txBox="1"/>
+          <p:nvPr/>
+        </p:nvSpPr>
+        <p:spPr>
+          <a:xfrm>
+            <a:off x="4317022" y="2598066"/>
+            <a:ext cx="1541585" cy="369332"/>
+          </a:xfrm>
+          <a:prstGeom prst="rect">
+            <a:avLst/>
+          </a:prstGeom>
+          <a:noFill/>
+        </p:spPr>
+        <p:txBody>
+          <a:bodyPr wrap="square" rtlCol="0">
+            <a:spAutoFit/>
+          </a:bodyPr>
+          <a:lstStyle/>
+          <a:p>
+            <a:r>
+              <a:rPr lang="es-ES" dirty="0" smtClean="0"/>
+              <a:t>+ Info</a:t>
+            </a:r>
+            <a:endParaRPr lang="es-AR" dirty="0"/>
+          </a:p>
+        </p:txBody>
+      </p:sp>
+      <p:sp>
+        <p:nvSpPr>
+          <p:cNvPr id="29" name="CuadroTexto 28"/>
+          <p:cNvSpPr txBox="1"/>
+          <p:nvPr/>
+        </p:nvSpPr>
+        <p:spPr>
+          <a:xfrm>
+            <a:off x="4317022" y="3195845"/>
+            <a:ext cx="1541585" cy="369332"/>
+          </a:xfrm>
+          <a:prstGeom prst="rect">
+            <a:avLst/>
+          </a:prstGeom>
+          <a:noFill/>
+        </p:spPr>
+        <p:txBody>
+          <a:bodyPr wrap="square" rtlCol="0">
+            <a:spAutoFit/>
+          </a:bodyPr>
+          <a:lstStyle/>
+          <a:p>
+            <a:r>
+              <a:rPr lang="es-ES" dirty="0" smtClean="0"/>
+              <a:t>+ Info</a:t>
+            </a:r>
+            <a:endParaRPr lang="es-AR" dirty="0"/>
+          </a:p>
+        </p:txBody>
+      </p:sp>
+      <p:sp>
+        <p:nvSpPr>
+          <p:cNvPr id="14" name="Rectángulo 13"/>
           <p:cNvSpPr/>
           <p:nvPr/>
         </p:nvSpPr>
         <p:spPr>
           <a:xfrm>
-            <a:off x="2987916" y="3143146"/>
-            <a:ext cx="1201617" cy="422031"/>
+            <a:off x="2354138" y="4285581"/>
+            <a:ext cx="2136531" cy="2123524"/>
+          </a:xfrm>
+          <a:prstGeom prst="rect">
+            <a:avLst/>
+          </a:prstGeom>
+          <a:solidFill>
+            <a:schemeClr val="bg1"/>
+          </a:solidFill>
+        </p:spPr>
+        <p:style>
+          <a:lnRef idx="2">
+            <a:schemeClr val="accent1">
+              <a:shade val="50000"/>
+            </a:schemeClr>
+          </a:lnRef>
+          <a:fillRef idx="1">
+            <a:schemeClr val="accent1"/>
+          </a:fillRef>
+          <a:effectRef idx="0">
+            <a:schemeClr val="accent1"/>
+          </a:effectRef>
+          <a:fontRef idx="minor">
+            <a:schemeClr val="lt1"/>
+          </a:fontRef>
+        </p:style>
+        <p:txBody>
+          <a:bodyPr rtlCol="0" anchor="t"/>
+          <a:lstStyle/>
+          <a:p>
+            <a:pPr algn="ctr"/>
+            <a:r>
+              <a:rPr lang="es-ES" dirty="0" smtClean="0">
+                <a:solidFill>
+                  <a:schemeClr val="tx1"/>
+                </a:solidFill>
+              </a:rPr>
+              <a:t>PLATO 1</a:t>
+            </a:r>
+          </a:p>
+          <a:p>
+            <a:pPr algn="ctr"/>
+            <a:r>
+              <a:rPr lang="es-ES" dirty="0" smtClean="0">
+                <a:solidFill>
+                  <a:schemeClr val="tx1"/>
+                </a:solidFill>
+              </a:rPr>
+              <a:t>Observación de plato</a:t>
+            </a:r>
+          </a:p>
+          <a:p>
+            <a:pPr algn="ctr"/>
+            <a:r>
+              <a:rPr lang="es-ES" dirty="0" smtClean="0">
+                <a:solidFill>
+                  <a:schemeClr val="tx1"/>
+                </a:solidFill>
+              </a:rPr>
+              <a:t>Foto plato</a:t>
+            </a:r>
+          </a:p>
+        </p:txBody>
+      </p:sp>
+      <p:sp>
+        <p:nvSpPr>
+          <p:cNvPr id="33" name="Rectángulo 32"/>
+          <p:cNvSpPr/>
+          <p:nvPr/>
+        </p:nvSpPr>
+        <p:spPr>
+          <a:xfrm>
+            <a:off x="7341576" y="5987074"/>
+            <a:ext cx="2023700" cy="422031"/>
           </a:xfrm>
           <a:prstGeom prst="rect">
             <a:avLst/>
@@ -5217,7 +5538,7 @@
             <a:pPr algn="ctr"/>
             <a:r>
               <a:rPr lang="es-ES" dirty="0" smtClean="0"/>
-              <a:t>+ _____ -</a:t>
+              <a:t>Cancelar</a:t>
             </a:r>
             <a:endParaRPr lang="es-AR" dirty="0"/>
           </a:p>
@@ -5225,13 +5546,255 @@
       </p:sp>
       <p:sp>
         <p:nvSpPr>
-          <p:cNvPr id="28" name="Rectángulo 27"/>
+          <p:cNvPr id="35" name="Rectángulo 34"/>
           <p:cNvSpPr/>
           <p:nvPr/>
         </p:nvSpPr>
         <p:spPr>
           <a:xfrm>
-            <a:off x="501161" y="3907945"/>
+            <a:off x="10621106" y="6169260"/>
+            <a:ext cx="1396511" cy="545122"/>
+          </a:xfrm>
+          <a:prstGeom prst="rect">
+            <a:avLst/>
+          </a:prstGeom>
+        </p:spPr>
+        <p:style>
+          <a:lnRef idx="2">
+            <a:schemeClr val="accent4">
+              <a:shade val="50000"/>
+            </a:schemeClr>
+          </a:lnRef>
+          <a:fillRef idx="1">
+            <a:schemeClr val="accent4"/>
+          </a:fillRef>
+          <a:effectRef idx="0">
+            <a:schemeClr val="accent4"/>
+          </a:effectRef>
+          <a:fontRef idx="minor">
+            <a:schemeClr val="lt1"/>
+          </a:fontRef>
+        </p:style>
+        <p:txBody>
+          <a:bodyPr rtlCol="0" anchor="ctr"/>
+          <a:lstStyle/>
+          <a:p>
+            <a:pPr algn="ctr"/>
+            <a:r>
+              <a:rPr lang="es-ES" dirty="0" smtClean="0"/>
+              <a:t>GESTIONAR MESAS</a:t>
+            </a:r>
+            <a:endParaRPr lang="es-AR" dirty="0"/>
+          </a:p>
+        </p:txBody>
+      </p:sp>
+      <p:cxnSp>
+        <p:nvCxnSpPr>
+          <p:cNvPr id="36" name="Conector recto 35"/>
+          <p:cNvCxnSpPr/>
+          <p:nvPr/>
+        </p:nvCxnSpPr>
+        <p:spPr>
+          <a:xfrm>
+            <a:off x="143607" y="949569"/>
+            <a:ext cx="12048393" cy="0"/>
+          </a:xfrm>
+          <a:prstGeom prst="line">
+            <a:avLst/>
+          </a:prstGeom>
+        </p:spPr>
+        <p:style>
+          <a:lnRef idx="1">
+            <a:schemeClr val="accent1"/>
+          </a:lnRef>
+          <a:fillRef idx="0">
+            <a:schemeClr val="accent1"/>
+          </a:fillRef>
+          <a:effectRef idx="0">
+            <a:schemeClr val="accent1"/>
+          </a:effectRef>
+          <a:fontRef idx="minor">
+            <a:schemeClr val="tx1"/>
+          </a:fontRef>
+        </p:style>
+      </p:cxnSp>
+      <p:cxnSp>
+        <p:nvCxnSpPr>
+          <p:cNvPr id="21" name="Conector recto 20"/>
+          <p:cNvCxnSpPr/>
+          <p:nvPr/>
+        </p:nvCxnSpPr>
+        <p:spPr>
+          <a:xfrm flipH="1">
+            <a:off x="6916617" y="949569"/>
+            <a:ext cx="17584" cy="5908431"/>
+          </a:xfrm>
+          <a:prstGeom prst="line">
+            <a:avLst/>
+          </a:prstGeom>
+        </p:spPr>
+        <p:style>
+          <a:lnRef idx="1">
+            <a:schemeClr val="accent1"/>
+          </a:lnRef>
+          <a:fillRef idx="0">
+            <a:schemeClr val="accent1"/>
+          </a:fillRef>
+          <a:effectRef idx="0">
+            <a:schemeClr val="accent1"/>
+          </a:effectRef>
+          <a:fontRef idx="minor">
+            <a:schemeClr val="tx1"/>
+          </a:fontRef>
+        </p:style>
+      </p:cxnSp>
+      <p:sp>
+        <p:nvSpPr>
+          <p:cNvPr id="27" name="CuadroTexto 26"/>
+          <p:cNvSpPr txBox="1"/>
+          <p:nvPr/>
+        </p:nvSpPr>
+        <p:spPr>
+          <a:xfrm>
+            <a:off x="8830411" y="1175967"/>
+            <a:ext cx="2091109" cy="369332"/>
+          </a:xfrm>
+          <a:prstGeom prst="rect">
+            <a:avLst/>
+          </a:prstGeom>
+          <a:noFill/>
+        </p:spPr>
+        <p:txBody>
+          <a:bodyPr wrap="square" rtlCol="0">
+            <a:spAutoFit/>
+          </a:bodyPr>
+          <a:lstStyle/>
+          <a:p>
+            <a:r>
+              <a:rPr lang="es-ES" dirty="0" smtClean="0"/>
+              <a:t>Tu pedido (Carrito)</a:t>
+            </a:r>
+            <a:endParaRPr lang="es-AR" dirty="0"/>
+          </a:p>
+        </p:txBody>
+      </p:sp>
+      <p:sp>
+        <p:nvSpPr>
+          <p:cNvPr id="31" name="Rectángulo 30"/>
+          <p:cNvSpPr/>
+          <p:nvPr/>
+        </p:nvSpPr>
+        <p:spPr>
+          <a:xfrm>
+            <a:off x="7325456" y="1720913"/>
+            <a:ext cx="1723291" cy="954201"/>
+          </a:xfrm>
+          <a:prstGeom prst="rect">
+            <a:avLst/>
+          </a:prstGeom>
+          <a:solidFill>
+            <a:schemeClr val="bg1"/>
+          </a:solidFill>
+        </p:spPr>
+        <p:style>
+          <a:lnRef idx="2">
+            <a:schemeClr val="accent1">
+              <a:shade val="50000"/>
+            </a:schemeClr>
+          </a:lnRef>
+          <a:fillRef idx="1">
+            <a:schemeClr val="accent1"/>
+          </a:fillRef>
+          <a:effectRef idx="0">
+            <a:schemeClr val="accent1"/>
+          </a:effectRef>
+          <a:fontRef idx="minor">
+            <a:schemeClr val="lt1"/>
+          </a:fontRef>
+        </p:style>
+        <p:txBody>
+          <a:bodyPr rtlCol="0" anchor="t"/>
+          <a:lstStyle/>
+          <a:p>
+            <a:r>
+              <a:rPr lang="es-ES" dirty="0" smtClean="0">
+                <a:solidFill>
+                  <a:schemeClr val="tx1"/>
+                </a:solidFill>
+              </a:rPr>
+              <a:t>Plato 1 </a:t>
+            </a:r>
+            <a:endParaRPr lang="es-AR" dirty="0">
+              <a:solidFill>
+                <a:schemeClr val="tx1"/>
+              </a:solidFill>
+            </a:endParaRPr>
+          </a:p>
+        </p:txBody>
+      </p:sp>
+      <p:sp>
+        <p:nvSpPr>
+          <p:cNvPr id="32" name="Rectángulo 31"/>
+          <p:cNvSpPr/>
+          <p:nvPr/>
+        </p:nvSpPr>
+        <p:spPr>
+          <a:xfrm>
+            <a:off x="7341576" y="2877060"/>
+            <a:ext cx="1723291" cy="954201"/>
+          </a:xfrm>
+          <a:prstGeom prst="rect">
+            <a:avLst/>
+          </a:prstGeom>
+          <a:solidFill>
+            <a:schemeClr val="bg1"/>
+          </a:solidFill>
+        </p:spPr>
+        <p:style>
+          <a:lnRef idx="2">
+            <a:schemeClr val="accent1">
+              <a:shade val="50000"/>
+            </a:schemeClr>
+          </a:lnRef>
+          <a:fillRef idx="1">
+            <a:schemeClr val="accent1"/>
+          </a:fillRef>
+          <a:effectRef idx="0">
+            <a:schemeClr val="accent1"/>
+          </a:effectRef>
+          <a:fontRef idx="minor">
+            <a:schemeClr val="lt1"/>
+          </a:fontRef>
+        </p:style>
+        <p:txBody>
+          <a:bodyPr rtlCol="0" anchor="t"/>
+          <a:lstStyle/>
+          <a:p>
+            <a:r>
+              <a:rPr lang="es-ES" dirty="0" smtClean="0">
+                <a:solidFill>
+                  <a:schemeClr val="tx1"/>
+                </a:solidFill>
+              </a:rPr>
+              <a:t>Plato 2</a:t>
+            </a:r>
+            <a:endParaRPr lang="es-AR" dirty="0">
+              <a:solidFill>
+                <a:schemeClr val="tx1"/>
+              </a:solidFill>
+            </a:endParaRPr>
+          </a:p>
+        </p:txBody>
+      </p:sp>
+      <p:sp>
+        <p:nvSpPr>
+          <p:cNvPr id="34" name="Rectángulo 33"/>
+          <p:cNvSpPr/>
+          <p:nvPr/>
+        </p:nvSpPr>
+        <p:spPr>
+          <a:xfrm>
+            <a:off x="7808308" y="4182471"/>
             <a:ext cx="3688371" cy="954201"/>
           </a:xfrm>
           <a:prstGeom prst="rect">
@@ -5279,13 +5842,181 @@
       </p:sp>
       <p:sp>
         <p:nvSpPr>
-          <p:cNvPr id="12" name="CuadroTexto 11"/>
+          <p:cNvPr id="37" name="Rectángulo 36"/>
+          <p:cNvSpPr/>
+          <p:nvPr/>
+        </p:nvSpPr>
+        <p:spPr>
+          <a:xfrm>
+            <a:off x="2996707" y="2514492"/>
+            <a:ext cx="1201617" cy="422031"/>
+          </a:xfrm>
+          <a:prstGeom prst="rect">
+            <a:avLst/>
+          </a:prstGeom>
+        </p:spPr>
+        <p:style>
+          <a:lnRef idx="0">
+            <a:schemeClr val="accent5"/>
+          </a:lnRef>
+          <a:fillRef idx="3">
+            <a:schemeClr val="accent5"/>
+          </a:fillRef>
+          <a:effectRef idx="3">
+            <a:schemeClr val="accent5"/>
+          </a:effectRef>
+          <a:fontRef idx="minor">
+            <a:schemeClr val="lt1"/>
+          </a:fontRef>
+        </p:style>
+        <p:txBody>
+          <a:bodyPr rtlCol="0" anchor="ctr"/>
+          <a:lstStyle/>
+          <a:p>
+            <a:pPr algn="ctr"/>
+            <a:r>
+              <a:rPr lang="es-ES" dirty="0" smtClean="0"/>
+              <a:t>+ _____ -</a:t>
+            </a:r>
+            <a:endParaRPr lang="es-AR" dirty="0"/>
+          </a:p>
+        </p:txBody>
+      </p:sp>
+      <p:sp>
+        <p:nvSpPr>
+          <p:cNvPr id="38" name="Rectángulo 37"/>
+          <p:cNvSpPr/>
+          <p:nvPr/>
+        </p:nvSpPr>
+        <p:spPr>
+          <a:xfrm>
+            <a:off x="2987916" y="3143146"/>
+            <a:ext cx="1201617" cy="422031"/>
+          </a:xfrm>
+          <a:prstGeom prst="rect">
+            <a:avLst/>
+          </a:prstGeom>
+        </p:spPr>
+        <p:style>
+          <a:lnRef idx="0">
+            <a:schemeClr val="accent5"/>
+          </a:lnRef>
+          <a:fillRef idx="3">
+            <a:schemeClr val="accent5"/>
+          </a:fillRef>
+          <a:effectRef idx="3">
+            <a:schemeClr val="accent5"/>
+          </a:effectRef>
+          <a:fontRef idx="minor">
+            <a:schemeClr val="lt1"/>
+          </a:fontRef>
+        </p:style>
+        <p:txBody>
+          <a:bodyPr rtlCol="0" anchor="ctr"/>
+          <a:lstStyle/>
+          <a:p>
+            <a:pPr algn="ctr"/>
+            <a:r>
+              <a:rPr lang="es-ES" dirty="0" smtClean="0"/>
+              <a:t>+ _____ -</a:t>
+            </a:r>
+            <a:endParaRPr lang="es-AR" dirty="0"/>
+          </a:p>
+        </p:txBody>
+      </p:sp>
+      <p:sp>
+        <p:nvSpPr>
+          <p:cNvPr id="39" name="Rectángulo 38"/>
+          <p:cNvSpPr/>
+          <p:nvPr/>
+        </p:nvSpPr>
+        <p:spPr>
+          <a:xfrm>
+            <a:off x="9242177" y="1993680"/>
+            <a:ext cx="1201617" cy="422031"/>
+          </a:xfrm>
+          <a:prstGeom prst="rect">
+            <a:avLst/>
+          </a:prstGeom>
+        </p:spPr>
+        <p:style>
+          <a:lnRef idx="0">
+            <a:schemeClr val="accent5"/>
+          </a:lnRef>
+          <a:fillRef idx="3">
+            <a:schemeClr val="accent5"/>
+          </a:fillRef>
+          <a:effectRef idx="3">
+            <a:schemeClr val="accent5"/>
+          </a:effectRef>
+          <a:fontRef idx="minor">
+            <a:schemeClr val="lt1"/>
+          </a:fontRef>
+        </p:style>
+        <p:txBody>
+          <a:bodyPr rtlCol="0" anchor="ctr"/>
+          <a:lstStyle/>
+          <a:p>
+            <a:pPr algn="ctr"/>
+            <a:r>
+              <a:rPr lang="es-ES" dirty="0" smtClean="0"/>
+              <a:t>+ _____ -</a:t>
+            </a:r>
+            <a:endParaRPr lang="es-AR" dirty="0"/>
+          </a:p>
+        </p:txBody>
+      </p:sp>
+      <p:sp>
+        <p:nvSpPr>
+          <p:cNvPr id="40" name="Rectángulo 39"/>
+          <p:cNvSpPr/>
+          <p:nvPr/>
+        </p:nvSpPr>
+        <p:spPr>
+          <a:xfrm>
+            <a:off x="9242177" y="3127393"/>
+            <a:ext cx="1201617" cy="422031"/>
+          </a:xfrm>
+          <a:prstGeom prst="rect">
+            <a:avLst/>
+          </a:prstGeom>
+        </p:spPr>
+        <p:style>
+          <a:lnRef idx="0">
+            <a:schemeClr val="accent5"/>
+          </a:lnRef>
+          <a:fillRef idx="3">
+            <a:schemeClr val="accent5"/>
+          </a:fillRef>
+          <a:effectRef idx="3">
+            <a:schemeClr val="accent5"/>
+          </a:effectRef>
+          <a:fontRef idx="minor">
+            <a:schemeClr val="lt1"/>
+          </a:fontRef>
+        </p:style>
+        <p:txBody>
+          <a:bodyPr rtlCol="0" anchor="ctr"/>
+          <a:lstStyle/>
+          <a:p>
+            <a:pPr algn="ctr"/>
+            <a:r>
+              <a:rPr lang="es-ES" dirty="0" smtClean="0"/>
+              <a:t>+ _____ -</a:t>
+            </a:r>
+            <a:endParaRPr lang="es-AR" dirty="0"/>
+          </a:p>
+        </p:txBody>
+      </p:sp>
+      <p:sp>
+        <p:nvSpPr>
+          <p:cNvPr id="41" name="CuadroTexto 40"/>
           <p:cNvSpPr txBox="1"/>
           <p:nvPr/>
         </p:nvSpPr>
         <p:spPr>
           <a:xfrm>
-            <a:off x="4317022" y="2598066"/>
+            <a:off x="10621106" y="2001868"/>
             <a:ext cx="1541585" cy="369332"/>
           </a:xfrm>
           <a:prstGeom prst="rect">
@@ -5309,13 +6040,13 @@
       </p:sp>
       <p:sp>
         <p:nvSpPr>
-          <p:cNvPr id="29" name="CuadroTexto 28"/>
+          <p:cNvPr id="42" name="CuadroTexto 41"/>
           <p:cNvSpPr txBox="1"/>
           <p:nvPr/>
         </p:nvSpPr>
         <p:spPr>
           <a:xfrm>
-            <a:off x="4317022" y="3195845"/>
+            <a:off x="10613781" y="3153742"/>
             <a:ext cx="1541585" cy="369332"/>
           </a:xfrm>
           <a:prstGeom prst="rect">
@@ -5337,227 +6068,6 @@
           </a:p>
         </p:txBody>
       </p:sp>
-      <p:sp>
-        <p:nvSpPr>
-          <p:cNvPr id="14" name="Rectángulo 13"/>
-          <p:cNvSpPr/>
-          <p:nvPr/>
-        </p:nvSpPr>
-        <p:spPr>
-          <a:xfrm>
-            <a:off x="7385538" y="1349571"/>
-            <a:ext cx="4229100" cy="2215606"/>
-          </a:xfrm>
-          <a:prstGeom prst="rect">
-            <a:avLst/>
-          </a:prstGeom>
-          <a:solidFill>
-            <a:schemeClr val="bg1"/>
-          </a:solidFill>
-        </p:spPr>
-        <p:style>
-          <a:lnRef idx="2">
-            <a:schemeClr val="accent1">
-              <a:shade val="50000"/>
-            </a:schemeClr>
-          </a:lnRef>
-          <a:fillRef idx="1">
-            <a:schemeClr val="accent1"/>
-          </a:fillRef>
-          <a:effectRef idx="0">
-            <a:schemeClr val="accent1"/>
-          </a:effectRef>
-          <a:fontRef idx="minor">
-            <a:schemeClr val="lt1"/>
-          </a:fontRef>
-        </p:style>
-        <p:txBody>
-          <a:bodyPr rtlCol="0" anchor="t"/>
-          <a:lstStyle/>
-          <a:p>
-            <a:pPr algn="ctr"/>
-            <a:r>
-              <a:rPr lang="es-ES" dirty="0" smtClean="0">
-                <a:solidFill>
-                  <a:schemeClr val="tx1"/>
-                </a:solidFill>
-              </a:rPr>
-              <a:t>PLATO 1</a:t>
-            </a:r>
-          </a:p>
-          <a:p>
-            <a:pPr algn="ctr"/>
-            <a:r>
-              <a:rPr lang="es-ES" dirty="0" smtClean="0">
-                <a:solidFill>
-                  <a:schemeClr val="tx1"/>
-                </a:solidFill>
-              </a:rPr>
-              <a:t>Observación de plato</a:t>
-            </a:r>
-          </a:p>
-          <a:p>
-            <a:pPr algn="ctr"/>
-            <a:r>
-              <a:rPr lang="es-ES" dirty="0" smtClean="0">
-                <a:solidFill>
-                  <a:schemeClr val="tx1"/>
-                </a:solidFill>
-              </a:rPr>
-              <a:t>Foto plato</a:t>
-            </a:r>
-          </a:p>
-        </p:txBody>
-      </p:sp>
-      <p:cxnSp>
-        <p:nvCxnSpPr>
-          <p:cNvPr id="30" name="Conector recto de flecha 29"/>
-          <p:cNvCxnSpPr/>
-          <p:nvPr/>
-        </p:nvCxnSpPr>
-        <p:spPr>
-          <a:xfrm flipV="1">
-            <a:off x="5143500" y="2400300"/>
-            <a:ext cx="1987062" cy="360486"/>
-          </a:xfrm>
-          <a:prstGeom prst="straightConnector1">
-            <a:avLst/>
-          </a:prstGeom>
-          <a:ln>
-            <a:tailEnd type="triangle"/>
-          </a:ln>
-        </p:spPr>
-        <p:style>
-          <a:lnRef idx="1">
-            <a:schemeClr val="accent1"/>
-          </a:lnRef>
-          <a:fillRef idx="0">
-            <a:schemeClr val="accent1"/>
-          </a:fillRef>
-          <a:effectRef idx="0">
-            <a:schemeClr val="accent1"/>
-          </a:effectRef>
-          <a:fontRef idx="minor">
-            <a:schemeClr val="tx1"/>
-          </a:fontRef>
-        </p:style>
-      </p:cxnSp>
-      <p:sp>
-        <p:nvSpPr>
-          <p:cNvPr id="33" name="Rectángulo 32"/>
-          <p:cNvSpPr/>
-          <p:nvPr/>
-        </p:nvSpPr>
-        <p:spPr>
-          <a:xfrm>
-            <a:off x="1159115" y="5846098"/>
-            <a:ext cx="2023700" cy="422031"/>
-          </a:xfrm>
-          <a:prstGeom prst="rect">
-            <a:avLst/>
-          </a:prstGeom>
-        </p:spPr>
-        <p:style>
-          <a:lnRef idx="0">
-            <a:schemeClr val="accent5"/>
-          </a:lnRef>
-          <a:fillRef idx="3">
-            <a:schemeClr val="accent5"/>
-          </a:fillRef>
-          <a:effectRef idx="3">
-            <a:schemeClr val="accent5"/>
-          </a:effectRef>
-          <a:fontRef idx="minor">
-            <a:schemeClr val="lt1"/>
-          </a:fontRef>
-        </p:style>
-        <p:txBody>
-          <a:bodyPr rtlCol="0" anchor="ctr"/>
-          <a:lstStyle/>
-          <a:p>
-            <a:pPr algn="ctr"/>
-            <a:r>
-              <a:rPr lang="es-ES" dirty="0" smtClean="0"/>
-              <a:t>Cancelar</a:t>
-            </a:r>
-            <a:endParaRPr lang="es-AR" dirty="0"/>
-          </a:p>
-        </p:txBody>
-      </p:sp>
-      <p:sp>
-        <p:nvSpPr>
-          <p:cNvPr id="35" name="Rectángulo 34"/>
-          <p:cNvSpPr/>
-          <p:nvPr/>
-        </p:nvSpPr>
-        <p:spPr>
-          <a:xfrm>
-            <a:off x="10621106" y="6169260"/>
-            <a:ext cx="1396511" cy="545122"/>
-          </a:xfrm>
-          <a:prstGeom prst="rect">
-            <a:avLst/>
-          </a:prstGeom>
-        </p:spPr>
-        <p:style>
-          <a:lnRef idx="2">
-            <a:schemeClr val="accent4">
-              <a:shade val="50000"/>
-            </a:schemeClr>
-          </a:lnRef>
-          <a:fillRef idx="1">
-            <a:schemeClr val="accent4"/>
-          </a:fillRef>
-          <a:effectRef idx="0">
-            <a:schemeClr val="accent4"/>
-          </a:effectRef>
-          <a:fontRef idx="minor">
-            <a:schemeClr val="lt1"/>
-          </a:fontRef>
-        </p:style>
-        <p:txBody>
-          <a:bodyPr rtlCol="0" anchor="ctr"/>
-          <a:lstStyle/>
-          <a:p>
-            <a:pPr algn="ctr"/>
-            <a:r>
-              <a:rPr lang="es-ES" dirty="0" smtClean="0"/>
-              <a:t>GESTIONAR MESAS</a:t>
-            </a:r>
-            <a:endParaRPr lang="es-AR" dirty="0"/>
-          </a:p>
-        </p:txBody>
-      </p:sp>
-      <p:cxnSp>
-        <p:nvCxnSpPr>
-          <p:cNvPr id="36" name="Conector recto 35"/>
-          <p:cNvCxnSpPr/>
-          <p:nvPr/>
-        </p:nvCxnSpPr>
-        <p:spPr>
-          <a:xfrm>
-            <a:off x="143607" y="949569"/>
-            <a:ext cx="12048393" cy="0"/>
-          </a:xfrm>
-          <a:prstGeom prst="line">
-            <a:avLst/>
-          </a:prstGeom>
-        </p:spPr>
-        <p:style>
-          <a:lnRef idx="1">
-            <a:schemeClr val="accent1"/>
-          </a:lnRef>
-          <a:fillRef idx="0">
-            <a:schemeClr val="accent1"/>
-          </a:fillRef>
-          <a:effectRef idx="0">
-            <a:schemeClr val="accent1"/>
-          </a:effectRef>
-          <a:fontRef idx="minor">
-            <a:schemeClr val="tx1"/>
-          </a:fontRef>
-        </p:style>
-      </p:cxnSp>
     </p:spTree>
     <p:extLst>
       <p:ext uri="{BB962C8B-B14F-4D97-AF65-F5344CB8AC3E}">
